--- a/SEDS_content/02.Python.pptx
+++ b/SEDS_content/02.Python.pptx
@@ -4788,13 +4788,8 @@
             </a:r>
             <a:r>
               <a:rPr lang="en-US" sz="3600" dirty="0" smtClean="0"/>
-              <a:t>Tricks</a:t>
-            </a:r>
-            <a:r>
-              <a:rPr lang="en-US" sz="3600" dirty="0" smtClean="0"/>
-              <a:t>) </a:t>
-            </a:r>
-            <a:endParaRPr lang="en-US" sz="3600" dirty="0" smtClean="0"/>
+              <a:t>Tricks) </a:t>
+            </a:r>
           </a:p>
           <a:p>
             <a:r>
@@ -4976,7 +4971,6 @@
               <a:rPr lang="en-US" dirty="0" smtClean="0"/>
               <a:t>Don’t hesitate to jump in with peer support</a:t>
             </a:r>
-            <a:endParaRPr lang="en-US" dirty="0" smtClean="0"/>
           </a:p>
         </p:txBody>
       </p:sp>
@@ -6092,11 +6086,7 @@
           <a:p>
             <a:r>
               <a:rPr lang="en-US" dirty="0" smtClean="0"/>
-              <a:t>Originall</a:t>
-            </a:r>
-            <a:r>
-              <a:rPr lang="en-US" dirty="0" smtClean="0"/>
-              <a:t>y called </a:t>
+              <a:t>Originally called </a:t>
             </a:r>
             <a:r>
               <a:rPr lang="en-US" dirty="0" err="1" smtClean="0"/>
@@ -6106,7 +6096,6 @@
               <a:rPr lang="en-US" dirty="0" smtClean="0"/>
               <a:t> notebooks</a:t>
             </a:r>
-            <a:endParaRPr lang="en-US" dirty="0" smtClean="0"/>
           </a:p>
           <a:p>
             <a:pPr lvl="1"/>
@@ -6537,7 +6526,6 @@
               <a:rPr lang="en-US" dirty="0" smtClean="0"/>
               <a:t>Kill the notebook with Control-C</a:t>
             </a:r>
-            <a:endParaRPr lang="en-US" dirty="0" smtClean="0"/>
           </a:p>
           <a:p>
             <a:pPr lvl="1"/>
@@ -6792,7 +6780,7 @@
         </p:spPr>
         <p:txBody>
           <a:bodyPr>
-            <a:normAutofit/>
+            <a:normAutofit fontScale="92500" lnSpcReduction="20000"/>
           </a:bodyPr>
           <a:lstStyle/>
           <a:p>
@@ -6805,20 +6793,70 @@
             <a:pPr lvl="1"/>
             <a:r>
               <a:rPr lang="en-US" dirty="0" smtClean="0"/>
-              <a:t>Make the directory</a:t>
+              <a:t>Change to a directory where you want the HCEPDB sub-directory to live, e.g. </a:t>
+            </a:r>
+            <a:r>
+              <a:rPr lang="en-US" sz="2600" dirty="0" smtClean="0">
+                <a:latin typeface="Courier New" charset="0"/>
+                <a:ea typeface="Courier New" charset="0"/>
+                <a:cs typeface="Courier New" charset="0"/>
+              </a:rPr>
+              <a:t>cd ~/Desktop</a:t>
             </a:r>
           </a:p>
           <a:p>
             <a:pPr lvl="1"/>
             <a:r>
               <a:rPr lang="en-US" dirty="0" smtClean="0"/>
-              <a:t>Change into the directory</a:t>
-            </a:r>
-          </a:p>
-          <a:p>
+              <a:t>Save the </a:t>
+            </a:r>
+            <a:r>
+              <a:rPr lang="en-US" sz="2600" dirty="0" smtClean="0">
+                <a:latin typeface="Courier New" charset="0"/>
+                <a:ea typeface="Courier New" charset="0"/>
+                <a:cs typeface="Courier New" charset="0"/>
+              </a:rPr>
+              <a:t>01.Intro.setup.sh</a:t>
+            </a:r>
             <a:r>
               <a:rPr lang="en-US" dirty="0" smtClean="0"/>
-              <a:t>Start a </a:t>
+              <a:t> from the syllabus page to the above directory using your web browser</a:t>
+            </a:r>
+          </a:p>
+          <a:p>
+            <a:pPr lvl="1"/>
+            <a:r>
+              <a:rPr lang="en-US" dirty="0" smtClean="0"/>
+              <a:t>Run the setup script with </a:t>
+            </a:r>
+            <a:r>
+              <a:rPr lang="en-US" sz="2600" dirty="0" smtClean="0">
+                <a:latin typeface="Courier New" charset="0"/>
+                <a:ea typeface="Courier New" charset="0"/>
+                <a:cs typeface="Courier New" charset="0"/>
+              </a:rPr>
+              <a:t>bash 01.Intro.setup.sh</a:t>
+            </a:r>
+            <a:endParaRPr lang="en-US" sz="2600" dirty="0" smtClean="0">
+              <a:latin typeface="Courier New" charset="0"/>
+              <a:ea typeface="Courier New" charset="0"/>
+              <a:cs typeface="Courier New" charset="0"/>
+            </a:endParaRPr>
+          </a:p>
+          <a:p>
+            <a:r>
+              <a:rPr lang="en-US" dirty="0" smtClean="0"/>
+              <a:t>Change into the HCEPDB sub-directory</a:t>
+            </a:r>
+          </a:p>
+          <a:p>
+            <a:r>
+              <a:rPr lang="en-US" dirty="0" smtClean="0"/>
+              <a:t>Start </a:t>
+            </a:r>
+            <a:r>
+              <a:rPr lang="en-US" dirty="0" smtClean="0"/>
+              <a:t>a </a:t>
             </a:r>
             <a:r>
               <a:rPr lang="en-US" dirty="0" err="1"/>
@@ -6844,13 +6882,8 @@
             <a:pPr lvl="1"/>
             <a:r>
               <a:rPr lang="en-US" dirty="0" smtClean="0"/>
-              <a:t>User </a:t>
-            </a:r>
-            <a:r>
-              <a:rPr lang="en-US" smtClean="0"/>
-              <a:t>interface tour</a:t>
-            </a:r>
-            <a:endParaRPr lang="en-US" dirty="0" smtClean="0"/>
+              <a:t>User interface tour</a:t>
+            </a:r>
           </a:p>
           <a:p>
             <a:pPr lvl="1"/>

--- a/SEDS_content/02.Python.pptx
+++ b/SEDS_content/02.Python.pptx
@@ -5,7 +5,7 @@
     <p:sldMasterId id="2147483648" r:id="rId1"/>
   </p:sldMasterIdLst>
   <p:notesMasterIdLst>
-    <p:notesMasterId r:id="rId9"/>
+    <p:notesMasterId r:id="rId10"/>
   </p:notesMasterIdLst>
   <p:sldIdLst>
     <p:sldId id="256" r:id="rId2"/>
@@ -15,6 +15,7 @@
     <p:sldId id="416" r:id="rId6"/>
     <p:sldId id="417" r:id="rId7"/>
     <p:sldId id="418" r:id="rId8"/>
+    <p:sldId id="419" r:id="rId9"/>
   </p:sldIdLst>
   <p:sldSz cx="9144000" cy="6858000" type="screen4x3"/>
   <p:notesSz cx="6858000" cy="9144000"/>
@@ -1078,6 +1079,90 @@
     <p:extLst>
       <p:ext uri="{BB962C8B-B14F-4D97-AF65-F5344CB8AC3E}">
         <p14:creationId xmlns:p14="http://schemas.microsoft.com/office/powerpoint/2010/main" val="1992610494"/>
+      </p:ext>
+    </p:extLst>
+  </p:cSld>
+  <p:clrMapOvr>
+    <a:masterClrMapping/>
+  </p:clrMapOvr>
+</p:notes>
+</file>
+
+<file path=ppt/notesSlides/notesSlide8.xml><?xml version="1.0" encoding="utf-8"?>
+<p:notes xmlns:a="http://schemas.openxmlformats.org/drawingml/2006/main" xmlns:r="http://schemas.openxmlformats.org/officeDocument/2006/relationships" xmlns:p="http://schemas.openxmlformats.org/presentationml/2006/main">
+  <p:cSld>
+    <p:spTree>
+      <p:nvGrpSpPr>
+        <p:cNvPr id="1" name=""/>
+        <p:cNvGrpSpPr/>
+        <p:nvPr/>
+      </p:nvGrpSpPr>
+      <p:grpSpPr>
+        <a:xfrm>
+          <a:off x="0" y="0"/>
+          <a:ext cx="0" cy="0"/>
+          <a:chOff x="0" y="0"/>
+          <a:chExt cx="0" cy="0"/>
+        </a:xfrm>
+      </p:grpSpPr>
+      <p:sp>
+        <p:nvSpPr>
+          <p:cNvPr id="2" name="Slide Image Placeholder 1"/>
+          <p:cNvSpPr>
+            <a:spLocks noGrp="1" noRot="1" noChangeAspect="1"/>
+          </p:cNvSpPr>
+          <p:nvPr>
+            <p:ph type="sldImg"/>
+          </p:nvPr>
+        </p:nvSpPr>
+        <p:spPr/>
+      </p:sp>
+      <p:sp>
+        <p:nvSpPr>
+          <p:cNvPr id="3" name="Notes Placeholder 2"/>
+          <p:cNvSpPr>
+            <a:spLocks noGrp="1"/>
+          </p:cNvSpPr>
+          <p:nvPr>
+            <p:ph type="body" idx="1"/>
+          </p:nvPr>
+        </p:nvSpPr>
+        <p:spPr/>
+        <p:txBody>
+          <a:bodyPr/>
+          <a:lstStyle/>
+          <a:p>
+            <a:endParaRPr lang="en-US" dirty="0"/>
+          </a:p>
+        </p:txBody>
+      </p:sp>
+      <p:sp>
+        <p:nvSpPr>
+          <p:cNvPr id="4" name="Slide Number Placeholder 3"/>
+          <p:cNvSpPr>
+            <a:spLocks noGrp="1"/>
+          </p:cNvSpPr>
+          <p:nvPr>
+            <p:ph type="sldNum" sz="quarter" idx="10"/>
+          </p:nvPr>
+        </p:nvSpPr>
+        <p:spPr/>
+        <p:txBody>
+          <a:bodyPr/>
+          <a:lstStyle/>
+          <a:p>
+            <a:fld id="{90C4E4C1-AC8F-D74E-8D15-CAC414F5A92D}" type="slidenum">
+              <a:rPr lang="en-US" smtClean="0"/>
+              <a:t>8</a:t>
+            </a:fld>
+            <a:endParaRPr lang="en-US"/>
+          </a:p>
+        </p:txBody>
+      </p:sp>
+    </p:spTree>
+    <p:extLst>
+      <p:ext uri="{BB962C8B-B14F-4D97-AF65-F5344CB8AC3E}">
+        <p14:creationId xmlns:p14="http://schemas.microsoft.com/office/powerpoint/2010/main" val="1035726759"/>
       </p:ext>
     </p:extLst>
   </p:cSld>
@@ -6780,14 +6865,26 @@
         </p:spPr>
         <p:txBody>
           <a:bodyPr>
-            <a:normAutofit fontScale="92500" lnSpcReduction="20000"/>
+            <a:normAutofit/>
           </a:bodyPr>
           <a:lstStyle/>
           <a:p>
             <a:r>
               <a:rPr lang="en-US" dirty="0" smtClean="0"/>
-              <a:t>Setup HCEPDB directory</a:t>
-            </a:r>
+              <a:t>Setup HCEPDB </a:t>
+            </a:r>
+            <a:r>
+              <a:rPr lang="en-US" dirty="0" smtClean="0"/>
+              <a:t>directory</a:t>
+            </a:r>
+          </a:p>
+          <a:p>
+            <a:pPr lvl="1"/>
+            <a:r>
+              <a:rPr lang="en-US" dirty="0" smtClean="0"/>
+              <a:t>Use the script we created in the first class</a:t>
+            </a:r>
+            <a:endParaRPr lang="en-US" dirty="0" smtClean="0"/>
           </a:p>
           <a:p>
             <a:pPr lvl="1"/>
@@ -6848,64 +6945,6 @@
               <a:rPr lang="en-US" dirty="0" smtClean="0"/>
               <a:t>Change into the HCEPDB sub-directory</a:t>
             </a:r>
-          </a:p>
-          <a:p>
-            <a:r>
-              <a:rPr lang="en-US" dirty="0" smtClean="0"/>
-              <a:t>Start </a:t>
-            </a:r>
-            <a:r>
-              <a:rPr lang="en-US" dirty="0" smtClean="0"/>
-              <a:t>a </a:t>
-            </a:r>
-            <a:r>
-              <a:rPr lang="en-US" dirty="0" err="1"/>
-              <a:t>J</a:t>
-            </a:r>
-            <a:r>
-              <a:rPr lang="en-US" dirty="0" err="1" smtClean="0"/>
-              <a:t>upyter</a:t>
-            </a:r>
-            <a:r>
-              <a:rPr lang="en-US" dirty="0" smtClean="0"/>
-              <a:t> notebook ’kernel’ and connect</a:t>
-            </a:r>
-          </a:p>
-          <a:p>
-            <a:pPr lvl="1"/>
-            <a:r>
-              <a:rPr lang="en-US" dirty="0" smtClean="0"/>
-              <a:t>What if you close the default notebook window?</a:t>
-            </a:r>
-          </a:p>
-          <a:p>
-            <a:pPr lvl="1"/>
-            <a:r>
-              <a:rPr lang="en-US" dirty="0" smtClean="0"/>
-              <a:t>User interface tour</a:t>
-            </a:r>
-          </a:p>
-          <a:p>
-            <a:pPr lvl="1"/>
-            <a:r>
-              <a:rPr lang="en-US" dirty="0" smtClean="0"/>
-              <a:t>Basic intro to Python</a:t>
-            </a:r>
-          </a:p>
-          <a:p>
-            <a:pPr lvl="1"/>
-            <a:r>
-              <a:rPr lang="en-US" dirty="0" smtClean="0"/>
-              <a:t>Basic intro to </a:t>
-            </a:r>
-            <a:r>
-              <a:rPr lang="en-US" dirty="0" err="1" smtClean="0"/>
-              <a:t>Jupyter</a:t>
-            </a:r>
-            <a:endParaRPr lang="en-US" dirty="0" smtClean="0"/>
-          </a:p>
-          <a:p>
-            <a:pPr lvl="1"/>
             <a:endParaRPr lang="en-US" dirty="0"/>
           </a:p>
           <a:p>
@@ -6922,6 +6961,211 @@
     <p:extLst>
       <p:ext uri="{BB962C8B-B14F-4D97-AF65-F5344CB8AC3E}">
         <p14:creationId xmlns:p14="http://schemas.microsoft.com/office/powerpoint/2010/main" val="511722326"/>
+      </p:ext>
+    </p:extLst>
+  </p:cSld>
+  <p:clrMapOvr>
+    <a:masterClrMapping/>
+  </p:clrMapOvr>
+  <p:timing>
+    <p:tnLst>
+      <p:par>
+        <p:cTn id="1" dur="indefinite" restart="never" nodeType="tmRoot"/>
+      </p:par>
+    </p:tnLst>
+  </p:timing>
+</p:sld>
+</file>
+
+<file path=ppt/slides/slide8.xml><?xml version="1.0" encoding="utf-8"?>
+<p:sld xmlns:a="http://schemas.openxmlformats.org/drawingml/2006/main" xmlns:r="http://schemas.openxmlformats.org/officeDocument/2006/relationships" xmlns:p="http://schemas.openxmlformats.org/presentationml/2006/main">
+  <p:cSld>
+    <p:spTree>
+      <p:nvGrpSpPr>
+        <p:cNvPr id="1" name=""/>
+        <p:cNvGrpSpPr/>
+        <p:nvPr/>
+      </p:nvGrpSpPr>
+      <p:grpSpPr>
+        <a:xfrm>
+          <a:off x="0" y="0"/>
+          <a:ext cx="0" cy="0"/>
+          <a:chOff x="0" y="0"/>
+          <a:chExt cx="0" cy="0"/>
+        </a:xfrm>
+      </p:grpSpPr>
+      <p:sp>
+        <p:nvSpPr>
+          <p:cNvPr id="2" name="Title 1"/>
+          <p:cNvSpPr>
+            <a:spLocks noGrp="1"/>
+          </p:cNvSpPr>
+          <p:nvPr>
+            <p:ph type="title"/>
+          </p:nvPr>
+        </p:nvSpPr>
+        <p:spPr/>
+        <p:txBody>
+          <a:bodyPr>
+            <a:normAutofit/>
+          </a:bodyPr>
+          <a:lstStyle/>
+          <a:p>
+            <a:r>
+              <a:rPr lang="en-US" dirty="0" err="1" smtClean="0"/>
+              <a:t>Jupyter</a:t>
+            </a:r>
+            <a:r>
+              <a:rPr lang="en-US" dirty="0" smtClean="0"/>
+              <a:t> and Python demo</a:t>
+            </a:r>
+            <a:endParaRPr lang="en-US" dirty="0"/>
+          </a:p>
+        </p:txBody>
+      </p:sp>
+      <p:sp>
+        <p:nvSpPr>
+          <p:cNvPr id="3" name="Content Placeholder 2"/>
+          <p:cNvSpPr>
+            <a:spLocks noGrp="1"/>
+          </p:cNvSpPr>
+          <p:nvPr>
+            <p:ph idx="1"/>
+          </p:nvPr>
+        </p:nvSpPr>
+        <p:spPr>
+          <a:xfrm>
+            <a:off x="457199" y="1631180"/>
+            <a:ext cx="8686801" cy="5120349"/>
+          </a:xfrm>
+        </p:spPr>
+        <p:txBody>
+          <a:bodyPr>
+            <a:normAutofit/>
+          </a:bodyPr>
+          <a:lstStyle/>
+          <a:p>
+            <a:r>
+              <a:rPr lang="en-US" dirty="0" smtClean="0"/>
+              <a:t>Download today’s </a:t>
+            </a:r>
+            <a:r>
+              <a:rPr lang="en-US" dirty="0" err="1" smtClean="0"/>
+              <a:t>Jupyter</a:t>
+            </a:r>
+            <a:r>
+              <a:rPr lang="en-US" dirty="0" smtClean="0"/>
+              <a:t> notebook from the syllabus page:</a:t>
+            </a:r>
+          </a:p>
+          <a:p>
+            <a:pPr lvl="1"/>
+            <a:r>
+              <a:rPr lang="en-US" sz="2400" dirty="0">
+                <a:hlinkClick r:id="rId3"/>
+              </a:rPr>
+              <a:t>https://</a:t>
+            </a:r>
+            <a:r>
+              <a:rPr lang="en-US" sz="2400" dirty="0" smtClean="0">
+                <a:hlinkClick r:id="rId3"/>
+              </a:rPr>
+              <a:t>uwdirect.github.io/SEDS_content/02.Python.ipynb</a:t>
+            </a:r>
+            <a:endParaRPr lang="en-US" sz="2400" dirty="0" smtClean="0"/>
+          </a:p>
+          <a:p>
+            <a:pPr lvl="1"/>
+            <a:r>
+              <a:rPr lang="en-US" dirty="0" smtClean="0"/>
+              <a:t>Save the </a:t>
+            </a:r>
+            <a:r>
+              <a:rPr lang="en-US" sz="2600" dirty="0" smtClean="0">
+                <a:latin typeface="Courier New" charset="0"/>
+                <a:ea typeface="Courier New" charset="0"/>
+                <a:cs typeface="Courier New" charset="0"/>
+              </a:rPr>
+              <a:t>02.Python.ipynb</a:t>
+            </a:r>
+            <a:r>
+              <a:rPr lang="en-US" dirty="0" smtClean="0"/>
+              <a:t> file into your HCEPDB subdirectory</a:t>
+            </a:r>
+          </a:p>
+          <a:p>
+            <a:r>
+              <a:rPr lang="en-US" dirty="0" smtClean="0"/>
+              <a:t>Start </a:t>
+            </a:r>
+            <a:r>
+              <a:rPr lang="en-US" dirty="0" smtClean="0"/>
+              <a:t>a </a:t>
+            </a:r>
+            <a:r>
+              <a:rPr lang="en-US" dirty="0" err="1"/>
+              <a:t>J</a:t>
+            </a:r>
+            <a:r>
+              <a:rPr lang="en-US" dirty="0" err="1" smtClean="0"/>
+              <a:t>upyter</a:t>
+            </a:r>
+            <a:r>
+              <a:rPr lang="en-US" dirty="0" smtClean="0"/>
+              <a:t> notebook ’kernel’ and connect</a:t>
+            </a:r>
+          </a:p>
+          <a:p>
+            <a:pPr lvl="1"/>
+            <a:r>
+              <a:rPr lang="en-US" dirty="0" smtClean="0"/>
+              <a:t>What if you close the default notebook window?</a:t>
+            </a:r>
+          </a:p>
+          <a:p>
+            <a:pPr lvl="1"/>
+            <a:r>
+              <a:rPr lang="en-US" dirty="0" smtClean="0"/>
+              <a:t>User interface tour</a:t>
+            </a:r>
+          </a:p>
+          <a:p>
+            <a:pPr lvl="1"/>
+            <a:r>
+              <a:rPr lang="en-US" dirty="0" smtClean="0"/>
+              <a:t>Basic intro to Python</a:t>
+            </a:r>
+          </a:p>
+          <a:p>
+            <a:pPr lvl="1"/>
+            <a:r>
+              <a:rPr lang="en-US" dirty="0" smtClean="0"/>
+              <a:t>Basic intro to </a:t>
+            </a:r>
+            <a:r>
+              <a:rPr lang="en-US" dirty="0" err="1" smtClean="0"/>
+              <a:t>Jupyter</a:t>
+            </a:r>
+            <a:endParaRPr lang="en-US" dirty="0" smtClean="0"/>
+          </a:p>
+          <a:p>
+            <a:pPr lvl="1"/>
+            <a:endParaRPr lang="en-US" dirty="0"/>
+          </a:p>
+          <a:p>
+            <a:pPr lvl="1"/>
+            <a:endParaRPr lang="en-US" dirty="0" smtClean="0"/>
+          </a:p>
+          <a:p>
+            <a:pPr lvl="1"/>
+            <a:endParaRPr lang="en-US" dirty="0" smtClean="0"/>
+          </a:p>
+        </p:txBody>
+      </p:sp>
+    </p:spTree>
+    <p:extLst>
+      <p:ext uri="{BB962C8B-B14F-4D97-AF65-F5344CB8AC3E}">
+        <p14:creationId xmlns:p14="http://schemas.microsoft.com/office/powerpoint/2010/main" val="448545447"/>
       </p:ext>
     </p:extLst>
   </p:cSld>

--- a/SEDS_content/02.Python.pptx
+++ b/SEDS_content/02.Python.pptx
@@ -232,7 +232,7 @@
           <a:p>
             <a:fld id="{08F62E20-B1AA-3442-B8F1-F4A56998389D}" type="datetimeFigureOut">
               <a:rPr lang="en-US" smtClean="0"/>
-              <a:t>1/6/17</a:t>
+              <a:t>1/9/17</a:t>
             </a:fld>
             <a:endParaRPr lang="en-US"/>
           </a:p>
@@ -1361,7 +1361,7 @@
           <a:p>
             <a:fld id="{2691D6E4-0F7A-0249-86EF-226720E50E4C}" type="datetimeFigureOut">
               <a:rPr lang="en-US" smtClean="0"/>
-              <a:t>1/6/17</a:t>
+              <a:t>1/9/17</a:t>
             </a:fld>
             <a:endParaRPr lang="en-US"/>
           </a:p>
@@ -1555,7 +1555,7 @@
           <a:p>
             <a:fld id="{2691D6E4-0F7A-0249-86EF-226720E50E4C}" type="datetimeFigureOut">
               <a:rPr lang="en-US" smtClean="0"/>
-              <a:t>1/6/17</a:t>
+              <a:t>1/9/17</a:t>
             </a:fld>
             <a:endParaRPr lang="en-US"/>
           </a:p>
@@ -1759,7 +1759,7 @@
           <a:p>
             <a:fld id="{2691D6E4-0F7A-0249-86EF-226720E50E4C}" type="datetimeFigureOut">
               <a:rPr lang="en-US" smtClean="0"/>
-              <a:t>1/6/17</a:t>
+              <a:t>1/9/17</a:t>
             </a:fld>
             <a:endParaRPr lang="en-US"/>
           </a:p>
@@ -1953,7 +1953,7 @@
           <a:p>
             <a:fld id="{2691D6E4-0F7A-0249-86EF-226720E50E4C}" type="datetimeFigureOut">
               <a:rPr lang="en-US" smtClean="0"/>
-              <a:t>1/6/17</a:t>
+              <a:t>1/9/17</a:t>
             </a:fld>
             <a:endParaRPr lang="en-US"/>
           </a:p>
@@ -2223,7 +2223,7 @@
           <a:p>
             <a:fld id="{2691D6E4-0F7A-0249-86EF-226720E50E4C}" type="datetimeFigureOut">
               <a:rPr lang="en-US" smtClean="0"/>
-              <a:t>1/6/17</a:t>
+              <a:t>1/9/17</a:t>
             </a:fld>
             <a:endParaRPr lang="en-US"/>
           </a:p>
@@ -2535,7 +2535,7 @@
           <a:p>
             <a:fld id="{2691D6E4-0F7A-0249-86EF-226720E50E4C}" type="datetimeFigureOut">
               <a:rPr lang="en-US" smtClean="0"/>
-              <a:t>1/6/17</a:t>
+              <a:t>1/9/17</a:t>
             </a:fld>
             <a:endParaRPr lang="en-US"/>
           </a:p>
@@ -2981,7 +2981,7 @@
           <a:p>
             <a:fld id="{2691D6E4-0F7A-0249-86EF-226720E50E4C}" type="datetimeFigureOut">
               <a:rPr lang="en-US" smtClean="0"/>
-              <a:t>1/6/17</a:t>
+              <a:t>1/9/17</a:t>
             </a:fld>
             <a:endParaRPr lang="en-US"/>
           </a:p>
@@ -3123,7 +3123,7 @@
           <a:p>
             <a:fld id="{2691D6E4-0F7A-0249-86EF-226720E50E4C}" type="datetimeFigureOut">
               <a:rPr lang="en-US" smtClean="0"/>
-              <a:t>1/6/17</a:t>
+              <a:t>1/9/17</a:t>
             </a:fld>
             <a:endParaRPr lang="en-US"/>
           </a:p>
@@ -3242,7 +3242,7 @@
           <a:p>
             <a:fld id="{2691D6E4-0F7A-0249-86EF-226720E50E4C}" type="datetimeFigureOut">
               <a:rPr lang="en-US" smtClean="0"/>
-              <a:t>1/6/17</a:t>
+              <a:t>1/9/17</a:t>
             </a:fld>
             <a:endParaRPr lang="en-US"/>
           </a:p>
@@ -3543,7 +3543,7 @@
           <a:p>
             <a:fld id="{2691D6E4-0F7A-0249-86EF-226720E50E4C}" type="datetimeFigureOut">
               <a:rPr lang="en-US" smtClean="0"/>
-              <a:t>1/6/17</a:t>
+              <a:t>1/9/17</a:t>
             </a:fld>
             <a:endParaRPr lang="en-US"/>
           </a:p>
@@ -3820,7 +3820,7 @@
           <a:p>
             <a:fld id="{2691D6E4-0F7A-0249-86EF-226720E50E4C}" type="datetimeFigureOut">
               <a:rPr lang="en-US" smtClean="0"/>
-              <a:t>1/6/17</a:t>
+              <a:t>1/9/17</a:t>
             </a:fld>
             <a:endParaRPr lang="en-US"/>
           </a:p>
@@ -6871,11 +6871,7 @@
           <a:p>
             <a:r>
               <a:rPr lang="en-US" dirty="0" smtClean="0"/>
-              <a:t>Setup HCEPDB </a:t>
-            </a:r>
-            <a:r>
-              <a:rPr lang="en-US" dirty="0" smtClean="0"/>
-              <a:t>directory</a:t>
+              <a:t>Setup HCEPDB directory</a:t>
             </a:r>
           </a:p>
           <a:p>
@@ -6884,7 +6880,6 @@
               <a:rPr lang="en-US" dirty="0" smtClean="0"/>
               <a:t>Use the script we created in the first class</a:t>
             </a:r>
-            <a:endParaRPr lang="en-US" dirty="0" smtClean="0"/>
           </a:p>
           <a:p>
             <a:pPr lvl="1"/>
@@ -6934,11 +6929,6 @@
               </a:rPr>
               <a:t>bash 01.Intro.setup.sh</a:t>
             </a:r>
-            <a:endParaRPr lang="en-US" sz="2600" dirty="0" smtClean="0">
-              <a:latin typeface="Courier New" charset="0"/>
-              <a:ea typeface="Courier New" charset="0"/>
-              <a:cs typeface="Courier New" charset="0"/>
-            </a:endParaRPr>
           </a:p>
           <a:p>
             <a:r>
@@ -7096,11 +7086,7 @@
           <a:p>
             <a:r>
               <a:rPr lang="en-US" dirty="0" smtClean="0"/>
-              <a:t>Start </a:t>
-            </a:r>
-            <a:r>
-              <a:rPr lang="en-US" dirty="0" smtClean="0"/>
-              <a:t>a </a:t>
+              <a:t>Start a </a:t>
             </a:r>
             <a:r>
               <a:rPr lang="en-US" dirty="0" err="1"/>
